--- a/outputs/forpub/pptx_and_subfigs/final_heatmap_acad_kaww.pptx
+++ b/outputs/forpub/pptx_and_subfigs/final_heatmap_acad_kaww.pptx
@@ -261,7 +261,7 @@
           <a:p>
             <a:fld id="{EC310068-050D-EA44-BCC5-73AE705BEFFB}" type="datetimeFigureOut">
               <a:rPr lang="en-US" smtClean="0"/>
-              <a:t>12/22/23</a:t>
+              <a:t>3/29/24</a:t>
             </a:fld>
             <a:endParaRPr lang="en-US"/>
           </a:p>
@@ -459,7 +459,7 @@
           <a:p>
             <a:fld id="{EC310068-050D-EA44-BCC5-73AE705BEFFB}" type="datetimeFigureOut">
               <a:rPr lang="en-US" smtClean="0"/>
-              <a:t>12/22/23</a:t>
+              <a:t>3/29/24</a:t>
             </a:fld>
             <a:endParaRPr lang="en-US"/>
           </a:p>
@@ -667,7 +667,7 @@
           <a:p>
             <a:fld id="{EC310068-050D-EA44-BCC5-73AE705BEFFB}" type="datetimeFigureOut">
               <a:rPr lang="en-US" smtClean="0"/>
-              <a:t>12/22/23</a:t>
+              <a:t>3/29/24</a:t>
             </a:fld>
             <a:endParaRPr lang="en-US"/>
           </a:p>
@@ -865,7 +865,7 @@
           <a:p>
             <a:fld id="{EC310068-050D-EA44-BCC5-73AE705BEFFB}" type="datetimeFigureOut">
               <a:rPr lang="en-US" smtClean="0"/>
-              <a:t>12/22/23</a:t>
+              <a:t>3/29/24</a:t>
             </a:fld>
             <a:endParaRPr lang="en-US"/>
           </a:p>
@@ -1140,7 +1140,7 @@
           <a:p>
             <a:fld id="{EC310068-050D-EA44-BCC5-73AE705BEFFB}" type="datetimeFigureOut">
               <a:rPr lang="en-US" smtClean="0"/>
-              <a:t>12/22/23</a:t>
+              <a:t>3/29/24</a:t>
             </a:fld>
             <a:endParaRPr lang="en-US"/>
           </a:p>
@@ -1405,7 +1405,7 @@
           <a:p>
             <a:fld id="{EC310068-050D-EA44-BCC5-73AE705BEFFB}" type="datetimeFigureOut">
               <a:rPr lang="en-US" smtClean="0"/>
-              <a:t>12/22/23</a:t>
+              <a:t>3/29/24</a:t>
             </a:fld>
             <a:endParaRPr lang="en-US"/>
           </a:p>
@@ -1817,7 +1817,7 @@
           <a:p>
             <a:fld id="{EC310068-050D-EA44-BCC5-73AE705BEFFB}" type="datetimeFigureOut">
               <a:rPr lang="en-US" smtClean="0"/>
-              <a:t>12/22/23</a:t>
+              <a:t>3/29/24</a:t>
             </a:fld>
             <a:endParaRPr lang="en-US"/>
           </a:p>
@@ -1958,7 +1958,7 @@
           <a:p>
             <a:fld id="{EC310068-050D-EA44-BCC5-73AE705BEFFB}" type="datetimeFigureOut">
               <a:rPr lang="en-US" smtClean="0"/>
-              <a:t>12/22/23</a:t>
+              <a:t>3/29/24</a:t>
             </a:fld>
             <a:endParaRPr lang="en-US"/>
           </a:p>
@@ -2071,7 +2071,7 @@
           <a:p>
             <a:fld id="{EC310068-050D-EA44-BCC5-73AE705BEFFB}" type="datetimeFigureOut">
               <a:rPr lang="en-US" smtClean="0"/>
-              <a:t>12/22/23</a:t>
+              <a:t>3/29/24</a:t>
             </a:fld>
             <a:endParaRPr lang="en-US"/>
           </a:p>
@@ -2382,7 +2382,7 @@
           <a:p>
             <a:fld id="{EC310068-050D-EA44-BCC5-73AE705BEFFB}" type="datetimeFigureOut">
               <a:rPr lang="en-US" smtClean="0"/>
-              <a:t>12/22/23</a:t>
+              <a:t>3/29/24</a:t>
             </a:fld>
             <a:endParaRPr lang="en-US"/>
           </a:p>
@@ -2670,7 +2670,7 @@
           <a:p>
             <a:fld id="{EC310068-050D-EA44-BCC5-73AE705BEFFB}" type="datetimeFigureOut">
               <a:rPr lang="en-US" smtClean="0"/>
-              <a:t>12/22/23</a:t>
+              <a:t>3/29/24</a:t>
             </a:fld>
             <a:endParaRPr lang="en-US"/>
           </a:p>
@@ -2911,7 +2911,7 @@
           <a:p>
             <a:fld id="{EC310068-050D-EA44-BCC5-73AE705BEFFB}" type="datetimeFigureOut">
               <a:rPr lang="en-US" smtClean="0"/>
-              <a:t>12/22/23</a:t>
+              <a:t>3/29/24</a:t>
             </a:fld>
             <a:endParaRPr lang="en-US"/>
           </a:p>
@@ -3344,7 +3344,7 @@
         </p:nvPicPr>
         <p:blipFill rotWithShape="1">
           <a:blip r:embed="rId2"/>
-          <a:srcRect l="2743" t="3887" r="2743" b="3364"/>
+          <a:srcRect l="2635" t="3520" r="2686" b="3570"/>
           <a:stretch/>
         </p:blipFill>
         <p:spPr>
@@ -3373,7 +3373,7 @@
         </p:nvPicPr>
         <p:blipFill rotWithShape="1">
           <a:blip r:embed="rId3"/>
-          <a:srcRect l="13491" t="11549" r="9411" b="23020"/>
+          <a:srcRect l="13846" t="10277" r="6524" b="22143"/>
           <a:stretch/>
         </p:blipFill>
         <p:spPr>
@@ -3475,7 +3475,7 @@
         </p:nvPicPr>
         <p:blipFill rotWithShape="1">
           <a:blip r:embed="rId5"/>
-          <a:srcRect l="2651" t="3025" r="2651" b="2532"/>
+          <a:srcRect l="2567" t="2698" r="2584" b="2715"/>
           <a:stretch/>
         </p:blipFill>
         <p:spPr>
@@ -3533,7 +3533,7 @@
         <p:spPr>
           <a:xfrm>
             <a:off x="0" y="535709"/>
-            <a:ext cx="562186" cy="430887"/>
+            <a:ext cx="562186" cy="369332"/>
           </a:xfrm>
           <a:prstGeom prst="rect">
             <a:avLst/>
@@ -3547,7 +3547,10 @@
           <a:lstStyle/>
           <a:p>
             <a:r>
-              <a:rPr lang="en-US" sz="2200" b="1" dirty="0"/>
+              <a:rPr lang="en-US" b="1" dirty="0">
+                <a:latin typeface="Arial" panose="020B0604020202020204" pitchFamily="34" charset="0"/>
+                <a:cs typeface="Arial" panose="020B0604020202020204" pitchFamily="34" charset="0"/>
+              </a:rPr>
               <a:t>a)</a:t>
             </a:r>
           </a:p>
@@ -3568,7 +3571,7 @@
         <p:spPr>
           <a:xfrm>
             <a:off x="0" y="6608263"/>
-            <a:ext cx="562186" cy="430887"/>
+            <a:ext cx="562186" cy="369332"/>
           </a:xfrm>
           <a:prstGeom prst="rect">
             <a:avLst/>
@@ -3582,7 +3585,10 @@
           <a:lstStyle/>
           <a:p>
             <a:r>
-              <a:rPr lang="en-US" sz="2200" b="1" dirty="0"/>
+              <a:rPr lang="en-US" b="1" dirty="0">
+                <a:latin typeface="Arial" panose="020B0604020202020204" pitchFamily="34" charset="0"/>
+                <a:cs typeface="Arial" panose="020B0604020202020204" pitchFamily="34" charset="0"/>
+              </a:rPr>
               <a:t>b)</a:t>
             </a:r>
           </a:p>
